--- a/reports/figures/figure1_drinking_water.pptx
+++ b/reports/figures/figure1_drinking_water.pptx
@@ -104,6 +104,11 @@
       </a:defRPr>
     </a:lvl9pPr>
   </p:defaultTextStyle>
+  <p:extLst>
+    <p:ext uri="{EFAFB233-063F-42B5-8137-9DF3F51BA10A}">
+      <p15:sldGuideLst xmlns:p15="http://schemas.microsoft.com/office/powerpoint/2012/main"/>
+    </p:ext>
+  </p:extLst>
 </p:presentation>
 </file>
 
@@ -254,7 +259,7 @@
           <a:p>
             <a:fld id="{7F81454A-367A-084B-9EA7-2988C4D61224}" type="datetimeFigureOut">
               <a:rPr lang="en-US" smtClean="0"/>
-              <a:t>9/13/22</a:t>
+              <a:t>7/15/23</a:t>
             </a:fld>
             <a:endParaRPr lang="en-US"/>
           </a:p>
@@ -452,7 +457,7 @@
           <a:p>
             <a:fld id="{7F81454A-367A-084B-9EA7-2988C4D61224}" type="datetimeFigureOut">
               <a:rPr lang="en-US" smtClean="0"/>
-              <a:t>9/13/22</a:t>
+              <a:t>7/15/23</a:t>
             </a:fld>
             <a:endParaRPr lang="en-US"/>
           </a:p>
@@ -660,7 +665,7 @@
           <a:p>
             <a:fld id="{7F81454A-367A-084B-9EA7-2988C4D61224}" type="datetimeFigureOut">
               <a:rPr lang="en-US" smtClean="0"/>
-              <a:t>9/13/22</a:t>
+              <a:t>7/15/23</a:t>
             </a:fld>
             <a:endParaRPr lang="en-US"/>
           </a:p>
@@ -858,7 +863,7 @@
           <a:p>
             <a:fld id="{7F81454A-367A-084B-9EA7-2988C4D61224}" type="datetimeFigureOut">
               <a:rPr lang="en-US" smtClean="0"/>
-              <a:t>9/13/22</a:t>
+              <a:t>7/15/23</a:t>
             </a:fld>
             <a:endParaRPr lang="en-US"/>
           </a:p>
@@ -1133,7 +1138,7 @@
           <a:p>
             <a:fld id="{7F81454A-367A-084B-9EA7-2988C4D61224}" type="datetimeFigureOut">
               <a:rPr lang="en-US" smtClean="0"/>
-              <a:t>9/13/22</a:t>
+              <a:t>7/15/23</a:t>
             </a:fld>
             <a:endParaRPr lang="en-US"/>
           </a:p>
@@ -1398,7 +1403,7 @@
           <a:p>
             <a:fld id="{7F81454A-367A-084B-9EA7-2988C4D61224}" type="datetimeFigureOut">
               <a:rPr lang="en-US" smtClean="0"/>
-              <a:t>9/13/22</a:t>
+              <a:t>7/15/23</a:t>
             </a:fld>
             <a:endParaRPr lang="en-US"/>
           </a:p>
@@ -1810,7 +1815,7 @@
           <a:p>
             <a:fld id="{7F81454A-367A-084B-9EA7-2988C4D61224}" type="datetimeFigureOut">
               <a:rPr lang="en-US" smtClean="0"/>
-              <a:t>9/13/22</a:t>
+              <a:t>7/15/23</a:t>
             </a:fld>
             <a:endParaRPr lang="en-US"/>
           </a:p>
@@ -1951,7 +1956,7 @@
           <a:p>
             <a:fld id="{7F81454A-367A-084B-9EA7-2988C4D61224}" type="datetimeFigureOut">
               <a:rPr lang="en-US" smtClean="0"/>
-              <a:t>9/13/22</a:t>
+              <a:t>7/15/23</a:t>
             </a:fld>
             <a:endParaRPr lang="en-US"/>
           </a:p>
@@ -2064,7 +2069,7 @@
           <a:p>
             <a:fld id="{7F81454A-367A-084B-9EA7-2988C4D61224}" type="datetimeFigureOut">
               <a:rPr lang="en-US" smtClean="0"/>
-              <a:t>9/13/22</a:t>
+              <a:t>7/15/23</a:t>
             </a:fld>
             <a:endParaRPr lang="en-US"/>
           </a:p>
@@ -2375,7 +2380,7 @@
           <a:p>
             <a:fld id="{7F81454A-367A-084B-9EA7-2988C4D61224}" type="datetimeFigureOut">
               <a:rPr lang="en-US" smtClean="0"/>
-              <a:t>9/13/22</a:t>
+              <a:t>7/15/23</a:t>
             </a:fld>
             <a:endParaRPr lang="en-US"/>
           </a:p>
@@ -2663,7 +2668,7 @@
           <a:p>
             <a:fld id="{7F81454A-367A-084B-9EA7-2988C4D61224}" type="datetimeFigureOut">
               <a:rPr lang="en-US" smtClean="0"/>
-              <a:t>9/13/22</a:t>
+              <a:t>7/15/23</a:t>
             </a:fld>
             <a:endParaRPr lang="en-US"/>
           </a:p>
@@ -2904,7 +2909,7 @@
           <a:p>
             <a:fld id="{7F81454A-367A-084B-9EA7-2988C4D61224}" type="datetimeFigureOut">
               <a:rPr lang="en-US" smtClean="0"/>
-              <a:t>9/13/22</a:t>
+              <a:t>7/15/23</a:t>
             </a:fld>
             <a:endParaRPr lang="en-US"/>
           </a:p>
@@ -3919,7 +3924,7 @@
         </p:nvSpPr>
         <p:spPr>
           <a:xfrm>
-            <a:off x="7183817" y="3711890"/>
+            <a:off x="7330962" y="3732911"/>
             <a:ext cx="1639614" cy="368254"/>
           </a:xfrm>
           <a:prstGeom prst="rect">
@@ -4097,405 +4102,7 @@
           <a:p>
             <a:r>
               <a:rPr lang="en-US" sz="1600" dirty="0"/>
-              <a:t>Banepa</a:t>
-            </a:r>
-          </a:p>
-        </p:txBody>
-      </p:sp>
-      <p:sp>
-        <p:nvSpPr>
-          <p:cNvPr id="21" name="Subtitle 2">
-            <a:extLst>
-              <a:ext uri="{FF2B5EF4-FFF2-40B4-BE49-F238E27FC236}">
-                <a16:creationId xmlns:a16="http://schemas.microsoft.com/office/drawing/2014/main" id="{C6D8961D-FCB7-6092-0188-53AE9E71ABE0}"/>
-              </a:ext>
-            </a:extLst>
-          </p:cNvPr>
-          <p:cNvSpPr txBox="1">
-            <a:spLocks/>
-          </p:cNvSpPr>
-          <p:nvPr/>
-        </p:nvSpPr>
-        <p:spPr>
-          <a:xfrm>
-            <a:off x="3632886" y="2238226"/>
-            <a:ext cx="1639614" cy="368254"/>
-          </a:xfrm>
-          <a:prstGeom prst="rect">
-            <a:avLst/>
-          </a:prstGeom>
-        </p:spPr>
-        <p:txBody>
-          <a:bodyPr vert="horz" lIns="91440" tIns="45720" rIns="91440" bIns="45720" rtlCol="0">
-            <a:normAutofit/>
-          </a:bodyPr>
-          <a:lstStyle>
-            <a:lvl1pPr marL="0" indent="0" algn="ctr" defTabSz="914400" rtl="0" eaLnBrk="1" latinLnBrk="0" hangingPunct="1">
-              <a:lnSpc>
-                <a:spcPct val="90000"/>
-              </a:lnSpc>
-              <a:spcBef>
-                <a:spcPts val="1000"/>
-              </a:spcBef>
-              <a:buFont typeface="Arial" panose="020B0604020202020204" pitchFamily="34" charset="0"/>
-              <a:buNone/>
-              <a:defRPr sz="2400" kern="1200">
-                <a:solidFill>
-                  <a:schemeClr val="tx1"/>
-                </a:solidFill>
-                <a:latin typeface="+mn-lt"/>
-                <a:ea typeface="+mn-ea"/>
-                <a:cs typeface="+mn-cs"/>
-              </a:defRPr>
-            </a:lvl1pPr>
-            <a:lvl2pPr marL="457200" indent="0" algn="ctr" defTabSz="914400" rtl="0" eaLnBrk="1" latinLnBrk="0" hangingPunct="1">
-              <a:lnSpc>
-                <a:spcPct val="90000"/>
-              </a:lnSpc>
-              <a:spcBef>
-                <a:spcPts val="500"/>
-              </a:spcBef>
-              <a:buFont typeface="Arial" panose="020B0604020202020204" pitchFamily="34" charset="0"/>
-              <a:buNone/>
-              <a:defRPr sz="2000" kern="1200">
-                <a:solidFill>
-                  <a:schemeClr val="tx1"/>
-                </a:solidFill>
-                <a:latin typeface="+mn-lt"/>
-                <a:ea typeface="+mn-ea"/>
-                <a:cs typeface="+mn-cs"/>
-              </a:defRPr>
-            </a:lvl2pPr>
-            <a:lvl3pPr marL="914400" indent="0" algn="ctr" defTabSz="914400" rtl="0" eaLnBrk="1" latinLnBrk="0" hangingPunct="1">
-              <a:lnSpc>
-                <a:spcPct val="90000"/>
-              </a:lnSpc>
-              <a:spcBef>
-                <a:spcPts val="500"/>
-              </a:spcBef>
-              <a:buFont typeface="Arial" panose="020B0604020202020204" pitchFamily="34" charset="0"/>
-              <a:buNone/>
-              <a:defRPr sz="1800" kern="1200">
-                <a:solidFill>
-                  <a:schemeClr val="tx1"/>
-                </a:solidFill>
-                <a:latin typeface="+mn-lt"/>
-                <a:ea typeface="+mn-ea"/>
-                <a:cs typeface="+mn-cs"/>
-              </a:defRPr>
-            </a:lvl3pPr>
-            <a:lvl4pPr marL="1371600" indent="0" algn="ctr" defTabSz="914400" rtl="0" eaLnBrk="1" latinLnBrk="0" hangingPunct="1">
-              <a:lnSpc>
-                <a:spcPct val="90000"/>
-              </a:lnSpc>
-              <a:spcBef>
-                <a:spcPts val="500"/>
-              </a:spcBef>
-              <a:buFont typeface="Arial" panose="020B0604020202020204" pitchFamily="34" charset="0"/>
-              <a:buNone/>
-              <a:defRPr sz="1600" kern="1200">
-                <a:solidFill>
-                  <a:schemeClr val="tx1"/>
-                </a:solidFill>
-                <a:latin typeface="+mn-lt"/>
-                <a:ea typeface="+mn-ea"/>
-                <a:cs typeface="+mn-cs"/>
-              </a:defRPr>
-            </a:lvl4pPr>
-            <a:lvl5pPr marL="1828800" indent="0" algn="ctr" defTabSz="914400" rtl="0" eaLnBrk="1" latinLnBrk="0" hangingPunct="1">
-              <a:lnSpc>
-                <a:spcPct val="90000"/>
-              </a:lnSpc>
-              <a:spcBef>
-                <a:spcPts val="500"/>
-              </a:spcBef>
-              <a:buFont typeface="Arial" panose="020B0604020202020204" pitchFamily="34" charset="0"/>
-              <a:buNone/>
-              <a:defRPr sz="1600" kern="1200">
-                <a:solidFill>
-                  <a:schemeClr val="tx1"/>
-                </a:solidFill>
-                <a:latin typeface="+mn-lt"/>
-                <a:ea typeface="+mn-ea"/>
-                <a:cs typeface="+mn-cs"/>
-              </a:defRPr>
-            </a:lvl5pPr>
-            <a:lvl6pPr marL="2286000" indent="0" algn="ctr" defTabSz="914400" rtl="0" eaLnBrk="1" latinLnBrk="0" hangingPunct="1">
-              <a:lnSpc>
-                <a:spcPct val="90000"/>
-              </a:lnSpc>
-              <a:spcBef>
-                <a:spcPts val="500"/>
-              </a:spcBef>
-              <a:buFont typeface="Arial" panose="020B0604020202020204" pitchFamily="34" charset="0"/>
-              <a:buNone/>
-              <a:defRPr sz="1600" kern="1200">
-                <a:solidFill>
-                  <a:schemeClr val="tx1"/>
-                </a:solidFill>
-                <a:latin typeface="+mn-lt"/>
-                <a:ea typeface="+mn-ea"/>
-                <a:cs typeface="+mn-cs"/>
-              </a:defRPr>
-            </a:lvl6pPr>
-            <a:lvl7pPr marL="2743200" indent="0" algn="ctr" defTabSz="914400" rtl="0" eaLnBrk="1" latinLnBrk="0" hangingPunct="1">
-              <a:lnSpc>
-                <a:spcPct val="90000"/>
-              </a:lnSpc>
-              <a:spcBef>
-                <a:spcPts val="500"/>
-              </a:spcBef>
-              <a:buFont typeface="Arial" panose="020B0604020202020204" pitchFamily="34" charset="0"/>
-              <a:buNone/>
-              <a:defRPr sz="1600" kern="1200">
-                <a:solidFill>
-                  <a:schemeClr val="tx1"/>
-                </a:solidFill>
-                <a:latin typeface="+mn-lt"/>
-                <a:ea typeface="+mn-ea"/>
-                <a:cs typeface="+mn-cs"/>
-              </a:defRPr>
-            </a:lvl7pPr>
-            <a:lvl8pPr marL="3200400" indent="0" algn="ctr" defTabSz="914400" rtl="0" eaLnBrk="1" latinLnBrk="0" hangingPunct="1">
-              <a:lnSpc>
-                <a:spcPct val="90000"/>
-              </a:lnSpc>
-              <a:spcBef>
-                <a:spcPts val="500"/>
-              </a:spcBef>
-              <a:buFont typeface="Arial" panose="020B0604020202020204" pitchFamily="34" charset="0"/>
-              <a:buNone/>
-              <a:defRPr sz="1600" kern="1200">
-                <a:solidFill>
-                  <a:schemeClr val="tx1"/>
-                </a:solidFill>
-                <a:latin typeface="+mn-lt"/>
-                <a:ea typeface="+mn-ea"/>
-                <a:cs typeface="+mn-cs"/>
-              </a:defRPr>
-            </a:lvl8pPr>
-            <a:lvl9pPr marL="3657600" indent="0" algn="ctr" defTabSz="914400" rtl="0" eaLnBrk="1" latinLnBrk="0" hangingPunct="1">
-              <a:lnSpc>
-                <a:spcPct val="90000"/>
-              </a:lnSpc>
-              <a:spcBef>
-                <a:spcPts val="500"/>
-              </a:spcBef>
-              <a:buFont typeface="Arial" panose="020B0604020202020204" pitchFamily="34" charset="0"/>
-              <a:buNone/>
-              <a:defRPr sz="1600" kern="1200">
-                <a:solidFill>
-                  <a:schemeClr val="tx1"/>
-                </a:solidFill>
-                <a:latin typeface="+mn-lt"/>
-                <a:ea typeface="+mn-ea"/>
-                <a:cs typeface="+mn-cs"/>
-              </a:defRPr>
-            </a:lvl9pPr>
-          </a:lstStyle>
-          <a:p>
-            <a:r>
-              <a:rPr lang="en-US" sz="1600" dirty="0"/>
-              <a:t>Bhaktapur</a:t>
-            </a:r>
-          </a:p>
-        </p:txBody>
-      </p:sp>
-      <p:sp>
-        <p:nvSpPr>
-          <p:cNvPr id="22" name="Subtitle 2">
-            <a:extLst>
-              <a:ext uri="{FF2B5EF4-FFF2-40B4-BE49-F238E27FC236}">
-                <a16:creationId xmlns:a16="http://schemas.microsoft.com/office/drawing/2014/main" id="{C98D6A67-9230-56EC-1FB5-5B37F890C78D}"/>
-              </a:ext>
-            </a:extLst>
-          </p:cNvPr>
-          <p:cNvSpPr txBox="1">
-            <a:spLocks/>
-          </p:cNvSpPr>
-          <p:nvPr/>
-        </p:nvSpPr>
-        <p:spPr>
-          <a:xfrm>
-            <a:off x="-136652" y="2620138"/>
-            <a:ext cx="1639614" cy="368254"/>
-          </a:xfrm>
-          <a:prstGeom prst="rect">
-            <a:avLst/>
-          </a:prstGeom>
-        </p:spPr>
-        <p:txBody>
-          <a:bodyPr vert="horz" lIns="91440" tIns="45720" rIns="91440" bIns="45720" rtlCol="0">
-            <a:normAutofit/>
-          </a:bodyPr>
-          <a:lstStyle>
-            <a:lvl1pPr marL="0" indent="0" algn="ctr" defTabSz="914400" rtl="0" eaLnBrk="1" latinLnBrk="0" hangingPunct="1">
-              <a:lnSpc>
-                <a:spcPct val="90000"/>
-              </a:lnSpc>
-              <a:spcBef>
-                <a:spcPts val="1000"/>
-              </a:spcBef>
-              <a:buFont typeface="Arial" panose="020B0604020202020204" pitchFamily="34" charset="0"/>
-              <a:buNone/>
-              <a:defRPr sz="2400" kern="1200">
-                <a:solidFill>
-                  <a:schemeClr val="tx1"/>
-                </a:solidFill>
-                <a:latin typeface="+mn-lt"/>
-                <a:ea typeface="+mn-ea"/>
-                <a:cs typeface="+mn-cs"/>
-              </a:defRPr>
-            </a:lvl1pPr>
-            <a:lvl2pPr marL="457200" indent="0" algn="ctr" defTabSz="914400" rtl="0" eaLnBrk="1" latinLnBrk="0" hangingPunct="1">
-              <a:lnSpc>
-                <a:spcPct val="90000"/>
-              </a:lnSpc>
-              <a:spcBef>
-                <a:spcPts val="500"/>
-              </a:spcBef>
-              <a:buFont typeface="Arial" panose="020B0604020202020204" pitchFamily="34" charset="0"/>
-              <a:buNone/>
-              <a:defRPr sz="2000" kern="1200">
-                <a:solidFill>
-                  <a:schemeClr val="tx1"/>
-                </a:solidFill>
-                <a:latin typeface="+mn-lt"/>
-                <a:ea typeface="+mn-ea"/>
-                <a:cs typeface="+mn-cs"/>
-              </a:defRPr>
-            </a:lvl2pPr>
-            <a:lvl3pPr marL="914400" indent="0" algn="ctr" defTabSz="914400" rtl="0" eaLnBrk="1" latinLnBrk="0" hangingPunct="1">
-              <a:lnSpc>
-                <a:spcPct val="90000"/>
-              </a:lnSpc>
-              <a:spcBef>
-                <a:spcPts val="500"/>
-              </a:spcBef>
-              <a:buFont typeface="Arial" panose="020B0604020202020204" pitchFamily="34" charset="0"/>
-              <a:buNone/>
-              <a:defRPr sz="1800" kern="1200">
-                <a:solidFill>
-                  <a:schemeClr val="tx1"/>
-                </a:solidFill>
-                <a:latin typeface="+mn-lt"/>
-                <a:ea typeface="+mn-ea"/>
-                <a:cs typeface="+mn-cs"/>
-              </a:defRPr>
-            </a:lvl3pPr>
-            <a:lvl4pPr marL="1371600" indent="0" algn="ctr" defTabSz="914400" rtl="0" eaLnBrk="1" latinLnBrk="0" hangingPunct="1">
-              <a:lnSpc>
-                <a:spcPct val="90000"/>
-              </a:lnSpc>
-              <a:spcBef>
-                <a:spcPts val="500"/>
-              </a:spcBef>
-              <a:buFont typeface="Arial" panose="020B0604020202020204" pitchFamily="34" charset="0"/>
-              <a:buNone/>
-              <a:defRPr sz="1600" kern="1200">
-                <a:solidFill>
-                  <a:schemeClr val="tx1"/>
-                </a:solidFill>
-                <a:latin typeface="+mn-lt"/>
-                <a:ea typeface="+mn-ea"/>
-                <a:cs typeface="+mn-cs"/>
-              </a:defRPr>
-            </a:lvl4pPr>
-            <a:lvl5pPr marL="1828800" indent="0" algn="ctr" defTabSz="914400" rtl="0" eaLnBrk="1" latinLnBrk="0" hangingPunct="1">
-              <a:lnSpc>
-                <a:spcPct val="90000"/>
-              </a:lnSpc>
-              <a:spcBef>
-                <a:spcPts val="500"/>
-              </a:spcBef>
-              <a:buFont typeface="Arial" panose="020B0604020202020204" pitchFamily="34" charset="0"/>
-              <a:buNone/>
-              <a:defRPr sz="1600" kern="1200">
-                <a:solidFill>
-                  <a:schemeClr val="tx1"/>
-                </a:solidFill>
-                <a:latin typeface="+mn-lt"/>
-                <a:ea typeface="+mn-ea"/>
-                <a:cs typeface="+mn-cs"/>
-              </a:defRPr>
-            </a:lvl5pPr>
-            <a:lvl6pPr marL="2286000" indent="0" algn="ctr" defTabSz="914400" rtl="0" eaLnBrk="1" latinLnBrk="0" hangingPunct="1">
-              <a:lnSpc>
-                <a:spcPct val="90000"/>
-              </a:lnSpc>
-              <a:spcBef>
-                <a:spcPts val="500"/>
-              </a:spcBef>
-              <a:buFont typeface="Arial" panose="020B0604020202020204" pitchFamily="34" charset="0"/>
-              <a:buNone/>
-              <a:defRPr sz="1600" kern="1200">
-                <a:solidFill>
-                  <a:schemeClr val="tx1"/>
-                </a:solidFill>
-                <a:latin typeface="+mn-lt"/>
-                <a:ea typeface="+mn-ea"/>
-                <a:cs typeface="+mn-cs"/>
-              </a:defRPr>
-            </a:lvl6pPr>
-            <a:lvl7pPr marL="2743200" indent="0" algn="ctr" defTabSz="914400" rtl="0" eaLnBrk="1" latinLnBrk="0" hangingPunct="1">
-              <a:lnSpc>
-                <a:spcPct val="90000"/>
-              </a:lnSpc>
-              <a:spcBef>
-                <a:spcPts val="500"/>
-              </a:spcBef>
-              <a:buFont typeface="Arial" panose="020B0604020202020204" pitchFamily="34" charset="0"/>
-              <a:buNone/>
-              <a:defRPr sz="1600" kern="1200">
-                <a:solidFill>
-                  <a:schemeClr val="tx1"/>
-                </a:solidFill>
-                <a:latin typeface="+mn-lt"/>
-                <a:ea typeface="+mn-ea"/>
-                <a:cs typeface="+mn-cs"/>
-              </a:defRPr>
-            </a:lvl7pPr>
-            <a:lvl8pPr marL="3200400" indent="0" algn="ctr" defTabSz="914400" rtl="0" eaLnBrk="1" latinLnBrk="0" hangingPunct="1">
-              <a:lnSpc>
-                <a:spcPct val="90000"/>
-              </a:lnSpc>
-              <a:spcBef>
-                <a:spcPts val="500"/>
-              </a:spcBef>
-              <a:buFont typeface="Arial" panose="020B0604020202020204" pitchFamily="34" charset="0"/>
-              <a:buNone/>
-              <a:defRPr sz="1600" kern="1200">
-                <a:solidFill>
-                  <a:schemeClr val="tx1"/>
-                </a:solidFill>
-                <a:latin typeface="+mn-lt"/>
-                <a:ea typeface="+mn-ea"/>
-                <a:cs typeface="+mn-cs"/>
-              </a:defRPr>
-            </a:lvl8pPr>
-            <a:lvl9pPr marL="3657600" indent="0" algn="ctr" defTabSz="914400" rtl="0" eaLnBrk="1" latinLnBrk="0" hangingPunct="1">
-              <a:lnSpc>
-                <a:spcPct val="90000"/>
-              </a:lnSpc>
-              <a:spcBef>
-                <a:spcPts val="500"/>
-              </a:spcBef>
-              <a:buFont typeface="Arial" panose="020B0604020202020204" pitchFamily="34" charset="0"/>
-              <a:buNone/>
-              <a:defRPr sz="1600" kern="1200">
-                <a:solidFill>
-                  <a:schemeClr val="tx1"/>
-                </a:solidFill>
-                <a:latin typeface="+mn-lt"/>
-                <a:ea typeface="+mn-ea"/>
-                <a:cs typeface="+mn-cs"/>
-              </a:defRPr>
-            </a:lvl9pPr>
-          </a:lstStyle>
-          <a:p>
-            <a:r>
-              <a:rPr lang="en-US" sz="1600" dirty="0"/>
-              <a:t>Lalitpur</a:t>
+              <a:t>Kavre</a:t>
             </a:r>
           </a:p>
         </p:txBody>
